--- a/training-cards/music moves/Iterative (ITE)/ger_ITE_03_Die_magische_Linie_MM_A.pptx
+++ b/training-cards/music moves/Iterative (ITE)/ger_ITE_03_Die_magische_Linie_MM_A.pptx
@@ -105,6 +105,22 @@
       </a:defRPr>
     </a:lvl9pPr>
   </p:defaultTextStyle>
+  <p:extLst>
+    <p:ext uri="{EFAFB233-063F-42B5-8137-9DF3F51BA10A}">
+      <p15:sldGuideLst xmlns:p15="http://schemas.microsoft.com/office/powerpoint/2012/main">
+        <p15:guide id="1" orient="horz" pos="652">
+          <p15:clr>
+            <a:srgbClr val="A4A3A4"/>
+          </p15:clr>
+        </p15:guide>
+        <p15:guide id="2">
+          <p15:clr>
+            <a:srgbClr val="A4A3A4"/>
+          </p15:clr>
+        </p15:guide>
+      </p15:sldGuideLst>
+    </p:ext>
+  </p:extLst>
 </p:presentation>
 </file>
 
@@ -153,10 +169,9 @@
           </a:lstStyle>
           <a:p>
             <a:r>
-              <a:rPr lang="de-DE" dirty="0" smtClean="0"/>
+              <a:rPr lang="de-DE" dirty="0"/>
               <a:t>TITEL HINZUFÜGEN</a:t>
             </a:r>
-            <a:endParaRPr lang="de-DE" dirty="0"/>
           </a:p>
         </p:txBody>
       </p:sp>
@@ -187,35 +202,35 @@
           <a:p>
             <a:pPr lvl="0"/>
             <a:r>
-              <a:rPr lang="de-DE" smtClean="0"/>
+              <a:rPr lang="de-DE"/>
               <a:t>Mastertextformat bearbeiten</a:t>
             </a:r>
           </a:p>
           <a:p>
             <a:pPr lvl="1"/>
             <a:r>
-              <a:rPr lang="de-DE" smtClean="0"/>
+              <a:rPr lang="de-DE"/>
               <a:t>Zweite Ebene</a:t>
             </a:r>
           </a:p>
           <a:p>
             <a:pPr lvl="2"/>
             <a:r>
-              <a:rPr lang="de-DE" smtClean="0"/>
+              <a:rPr lang="de-DE"/>
               <a:t>Dritte Ebene</a:t>
             </a:r>
           </a:p>
           <a:p>
             <a:pPr lvl="3"/>
             <a:r>
-              <a:rPr lang="de-DE" smtClean="0"/>
+              <a:rPr lang="de-DE"/>
               <a:t>Vierte Ebene</a:t>
             </a:r>
           </a:p>
           <a:p>
             <a:pPr lvl="4"/>
             <a:r>
-              <a:rPr lang="de-DE" smtClean="0"/>
+              <a:rPr lang="de-DE"/>
               <a:t>Fünfte Ebene</a:t>
             </a:r>
             <a:endParaRPr lang="de-DE" dirty="0"/>
@@ -262,7 +277,7 @@
               <a:buNone/>
             </a:pPr>
             <a:r>
-              <a:rPr lang="de-DE" smtClean="0"/>
+              <a:rPr lang="de-DE"/>
               <a:t>Master-Untertitelformat bearbeiten</a:t>
             </a:r>
             <a:endParaRPr lang="de-DE" dirty="0"/>
@@ -378,35 +393,35 @@
           <a:p>
             <a:pPr lvl="0"/>
             <a:r>
-              <a:rPr lang="de-DE" smtClean="0"/>
+              <a:rPr lang="de-DE"/>
               <a:t>Mastertextformat bearbeiten</a:t>
             </a:r>
           </a:p>
           <a:p>
             <a:pPr lvl="1"/>
             <a:r>
-              <a:rPr lang="de-DE" smtClean="0"/>
+              <a:rPr lang="de-DE"/>
               <a:t>Zweite Ebene</a:t>
             </a:r>
           </a:p>
           <a:p>
             <a:pPr lvl="2"/>
             <a:r>
-              <a:rPr lang="de-DE" smtClean="0"/>
+              <a:rPr lang="de-DE"/>
               <a:t>Dritte Ebene</a:t>
             </a:r>
           </a:p>
           <a:p>
             <a:pPr lvl="3"/>
             <a:r>
-              <a:rPr lang="de-DE" smtClean="0"/>
+              <a:rPr lang="de-DE"/>
               <a:t>Vierte Ebene</a:t>
             </a:r>
           </a:p>
           <a:p>
             <a:pPr lvl="4"/>
             <a:r>
-              <a:rPr lang="de-DE" smtClean="0"/>
+              <a:rPr lang="de-DE"/>
               <a:t>Fünfte Ebene</a:t>
             </a:r>
             <a:endParaRPr lang="de-DE" dirty="0"/>
@@ -436,7 +451,7 @@
           <a:lstStyle/>
           <a:p>
             <a:r>
-              <a:rPr lang="de-DE" sz="2400" dirty="0" smtClean="0">
+              <a:rPr lang="de-DE" sz="2400" dirty="0">
                 <a:solidFill>
                   <a:srgbClr val="7E006B"/>
                 </a:solidFill>
@@ -446,7 +461,7 @@
               <a:t>TRAININGS</a:t>
             </a:r>
             <a:r>
-              <a:rPr lang="de-DE" sz="2400" dirty="0" smtClean="0">
+              <a:rPr lang="de-DE" sz="2400" dirty="0">
                 <a:solidFill>
                   <a:srgbClr val="7E006B"/>
                 </a:solidFill>
@@ -514,7 +529,7 @@
           </a:ln>
           <a:extLst>
             <a:ext uri="{C572A759-6A51-4108-AA02-DFA0A04FC94B}">
-              <ma14:wrappingTextBoxFlag xmlns:ma14="http://schemas.microsoft.com/office/mac/drawingml/2011/main" val="1"/>
+              <ma14:wrappingTextBoxFlag xmlns:ma14="http://schemas.microsoft.com/office/mac/drawingml/2011/main" xmlns="" val="1"/>
             </a:ext>
           </a:extLst>
         </p:spPr>
@@ -620,7 +635,7 @@
                 <a:latin typeface="Avenir Light"/>
                 <a:cs typeface="Avenir Light"/>
               </a:rPr>
-              <a:t>24.01.16</a:t>
+              <a:t>27.11.18</a:t>
             </a:fld>
             <a:endParaRPr lang="de-DE" sz="600" dirty="0">
               <a:solidFill>
@@ -678,10 +693,9 @@
           <a:lstStyle/>
           <a:p>
             <a:r>
-              <a:rPr lang="de-DE" smtClean="0"/>
+              <a:rPr lang="de-DE"/>
               <a:t>Mastertitelformat bearbeiten</a:t>
             </a:r>
-            <a:endParaRPr lang="de-DE"/>
           </a:p>
         </p:txBody>
       </p:sp>
@@ -702,7 +716,7 @@
           <a:p>
             <a:fld id="{FF5B2BAF-DF38-0A48-A798-0C06E514FD52}" type="datetimeFigureOut">
               <a:rPr lang="de-DE" smtClean="0"/>
-              <a:t>24.01.16</a:t>
+              <a:t>27.11.18</a:t>
             </a:fld>
             <a:endParaRPr lang="de-DE" dirty="0"/>
           </a:p>
@@ -813,17 +827,16 @@
           <a:p>
             <a:pPr marL="0" lvl="0" algn="l"/>
             <a:r>
-              <a:rPr lang="de-DE" dirty="0" smtClean="0"/>
+              <a:rPr lang="de-DE" dirty="0"/>
               <a:t>Überschrift </a:t>
             </a:r>
             <a:br>
-              <a:rPr lang="de-DE" dirty="0" smtClean="0"/>
+              <a:rPr lang="de-DE" dirty="0"/>
             </a:br>
             <a:r>
-              <a:rPr lang="de-DE" dirty="0" smtClean="0"/>
+              <a:rPr lang="de-DE" dirty="0"/>
               <a:t>bearbeiten </a:t>
             </a:r>
-            <a:endParaRPr lang="de-DE" dirty="0"/>
           </a:p>
         </p:txBody>
       </p:sp>
@@ -854,38 +867,37 @@
           <a:p>
             <a:pPr lvl="0"/>
             <a:r>
-              <a:rPr lang="de-DE" dirty="0" smtClean="0"/>
+              <a:rPr lang="de-DE" dirty="0"/>
               <a:t>Mastertextformat bearbeiten</a:t>
             </a:r>
           </a:p>
           <a:p>
             <a:pPr lvl="1"/>
             <a:r>
-              <a:rPr lang="de-DE" dirty="0" smtClean="0"/>
+              <a:rPr lang="de-DE" dirty="0"/>
               <a:t>Zweite Ebene</a:t>
             </a:r>
           </a:p>
           <a:p>
             <a:pPr lvl="2"/>
             <a:r>
-              <a:rPr lang="de-DE" dirty="0" smtClean="0"/>
+              <a:rPr lang="de-DE" dirty="0"/>
               <a:t>Dritte Ebene</a:t>
             </a:r>
           </a:p>
           <a:p>
             <a:pPr lvl="3"/>
             <a:r>
-              <a:rPr lang="de-DE" dirty="0" smtClean="0"/>
+              <a:rPr lang="de-DE" dirty="0"/>
               <a:t>Vierte Ebene</a:t>
             </a:r>
           </a:p>
           <a:p>
             <a:pPr lvl="4"/>
             <a:r>
-              <a:rPr lang="de-DE" dirty="0" smtClean="0"/>
+              <a:rPr lang="de-DE" dirty="0"/>
               <a:t>Fünfte Ebene</a:t>
             </a:r>
-            <a:endParaRPr lang="de-DE" dirty="0"/>
           </a:p>
         </p:txBody>
       </p:sp>
@@ -924,7 +936,7 @@
           <a:p>
             <a:fld id="{FF5B2BAF-DF38-0A48-A798-0C06E514FD52}" type="datetimeFigureOut">
               <a:rPr lang="de-DE" smtClean="0"/>
-              <a:t>24.01.16</a:t>
+              <a:t>27.11.18</a:t>
             </a:fld>
             <a:endParaRPr lang="de-DE" dirty="0"/>
           </a:p>
@@ -1158,7 +1170,7 @@
           <a:lstStyle/>
           <a:p>
             <a:r>
-              <a:rPr lang="de-DE" sz="1050" b="1" dirty="0" smtClean="0">
+              <a:rPr lang="de-DE" sz="1050" b="1" dirty="0">
                 <a:solidFill>
                   <a:schemeClr val="bg1"/>
                 </a:solidFill>
@@ -1168,7 +1180,7 @@
               <a:t>TRAININGSKARTE</a:t>
             </a:r>
             <a:r>
-              <a:rPr lang="de-DE" sz="1050" dirty="0" smtClean="0">
+              <a:rPr lang="de-DE" sz="1050" dirty="0">
                 <a:solidFill>
                   <a:schemeClr val="bg1"/>
                 </a:solidFill>
@@ -1178,7 +1190,7 @@
               <a:t> </a:t>
             </a:r>
             <a:r>
-              <a:rPr lang="de-DE" sz="1050" b="1" dirty="0" smtClean="0">
+              <a:rPr lang="de-DE" sz="1050" b="1" dirty="0">
                 <a:solidFill>
                   <a:schemeClr val="bg1"/>
                 </a:solidFill>
@@ -1187,13 +1199,6 @@
               </a:rPr>
               <a:t>ITE 03</a:t>
             </a:r>
-            <a:endParaRPr lang="de-DE" sz="1050" b="1" dirty="0">
-              <a:solidFill>
-                <a:schemeClr val="bg1"/>
-              </a:solidFill>
-              <a:latin typeface="Avenir Heavy"/>
-              <a:cs typeface="Avenir Heavy"/>
-            </a:endParaRPr>
           </a:p>
         </p:txBody>
       </p:sp>
@@ -1576,17 +1581,16 @@
           <a:lstStyle/>
           <a:p>
             <a:r>
-              <a:rPr lang="de-DE" dirty="0" smtClean="0">
+              <a:rPr lang="de-DE" dirty="0">
                 <a:latin typeface="Avenir Heavy"/>
                 <a:cs typeface="Avenir Heavy"/>
               </a:rPr>
               <a:t>DIE MAGI</a:t>
             </a:r>
             <a:r>
-              <a:rPr lang="de-DE" dirty="0" smtClean="0"/>
+              <a:rPr lang="de-DE" dirty="0"/>
               <a:t>SCHE LINIE</a:t>
             </a:r>
-            <a:endParaRPr lang="de-DE" dirty="0"/>
           </a:p>
         </p:txBody>
       </p:sp>
@@ -1621,27 +1625,14 @@
           <a:p>
             <a:r>
               <a:rPr lang="de-DE" sz="1200" dirty="0"/>
-              <a:t>Die magische Linie ist in </a:t>
-            </a:r>
-            <a:r>
-              <a:rPr lang="de-DE" sz="1200" dirty="0" smtClean="0"/>
-              <a:t>jedem </a:t>
-            </a:r>
+              <a:t>Die magische Linie ist in jedem Stück an einer anderen Stelle zu finden. Wenn Du z.B. alle Phrasen mit einschließlich Schwierigkeitsstufe 4 geübt hast, bemerkst du plötzlich, dass alle Phrasen ab Stufe 3 plötzlich von selbst funktionieren und keine besondere Aufmerksamkeit mehr von dir benötigen.</a:t>
+            </a:r>
+          </a:p>
+          <a:p>
             <a:r>
               <a:rPr lang="de-DE" sz="1200" dirty="0"/>
-              <a:t>Stück an einer anderen Stelle zu finden. Wenn Du z.B. alle Phrasen mit einschließlich Schwierigkeitsstufe 4 geübt hast, bemerkst du plötzlich, dass alle Phrasen ab Stufe 3 plötzlich von selbst funktionieren und keine besondere Aufmerksamkeit von dir mehr benötigen.</a:t>
-            </a:r>
-          </a:p>
-          <a:p>
-            <a:r>
-              <a:rPr lang="de-DE" sz="1200" dirty="0"/>
-              <a:t>Das kommt daher, weil Du die Herausforderungen in dem Stück von Grund auf verinnerlicht hast und andere Stellen ähnlich gelagert sind und somit </a:t>
-            </a:r>
-            <a:r>
-              <a:rPr lang="de-DE" sz="1200" dirty="0" smtClean="0"/>
-              <a:t>nicht neu geübt werden müssen.</a:t>
-            </a:r>
-            <a:endParaRPr lang="de-DE" sz="1200" dirty="0"/>
+              <a:t>Das kann daher kommen, dass Du die Herausforderungen in dem Stück von Grund auf verinnerlicht hast und andere Stellen, die ähnlich gelagert sind, nicht neu üben musst.</a:t>
+            </a:r>
           </a:p>
         </p:txBody>
       </p:sp>
@@ -1664,10 +1655,9 @@
               <a:buNone/>
             </a:pPr>
             <a:r>
-              <a:rPr lang="de-DE" dirty="0" smtClean="0"/>
+              <a:rPr lang="de-DE" dirty="0"/>
               <a:t>Regina Brandhuber</a:t>
             </a:r>
-            <a:endParaRPr lang="de-DE" dirty="0"/>
           </a:p>
         </p:txBody>
       </p:sp>
@@ -1724,15 +1714,7 @@
           <a:p>
             <a:r>
               <a:rPr lang="de-DE" dirty="0"/>
-              <a:t>Übe die schwierigsten Stellen zuerst und so lange, bis Du sie </a:t>
-            </a:r>
-            <a:r>
-              <a:rPr lang="de-DE" dirty="0" smtClean="0"/>
-              <a:t>beherrschst</a:t>
-            </a:r>
-            <a:r>
-              <a:rPr lang="de-DE" dirty="0"/>
-              <a:t>. </a:t>
+              <a:t>Übe die schwierigsten Stellen zuerst und so lange, bis Du sie beherrschst. </a:t>
             </a:r>
           </a:p>
           <a:p>
@@ -1744,23 +1726,14 @@
           <a:p>
             <a:r>
               <a:rPr lang="de-DE" dirty="0"/>
-              <a:t>Finde heraus, ab welcher Schwierigkeitsstufe, </a:t>
-            </a:r>
-            <a:r>
-              <a:rPr lang="de-DE" dirty="0" smtClean="0"/>
-              <a:t>Du </a:t>
-            </a:r>
+              <a:t>Finde heraus, ab welcher Schwierigkeitsstufe, Du nicht mehr üben musst, um es zu können, und zeichne dort eine Linie in Dein Phrasendiagramm. </a:t>
+            </a:r>
+          </a:p>
+          <a:p>
             <a:r>
               <a:rPr lang="de-DE" dirty="0"/>
-              <a:t>nicht mehr üben musst, um es zu können, und zeichne dort eine Linie in Dein Phrasendiagramm. </a:t>
-            </a:r>
-          </a:p>
-          <a:p>
-            <a:r>
-              <a:rPr lang="de-DE" dirty="0"/>
-              <a:t>Zeige Deinem Team Dein Phrasendiagramm und lass Dich von ihm zertifizieren.</a:t>
-            </a:r>
-            <a:endParaRPr lang="de-DE" dirty="0"/>
+              <a:t>Zeige Deinem Team Dein Phrasendiagramm mit Linie und tauscht euch über die Erfahrungen aus.</a:t>
+            </a:r>
           </a:p>
         </p:txBody>
       </p:sp>

--- a/training-cards/music moves/Iterative (ITE)/ger_ITE_03_Die_magische_Linie_MM_A.pptx
+++ b/training-cards/music moves/Iterative (ITE)/ger_ITE_03_Die_magische_Linie_MM_A.pptx
@@ -512,14 +512,20 @@
       </p:pic>
       <p:sp>
         <p:nvSpPr>
-          <p:cNvPr id="5" name="Shape 7"/>
+          <p:cNvPr id="4" name="Shape 7">
+            <a:extLst>
+              <a:ext uri="{FF2B5EF4-FFF2-40B4-BE49-F238E27FC236}">
+                <a16:creationId xmlns:a16="http://schemas.microsoft.com/office/drawing/2014/main" id="{EC0F7054-31C2-3EEE-8331-3F18B12FBB97}"/>
+              </a:ext>
+            </a:extLst>
+          </p:cNvPr>
           <p:cNvSpPr/>
           <p:nvPr userDrawn="1"/>
         </p:nvSpPr>
         <p:spPr>
           <a:xfrm>
-            <a:off x="1683417" y="4952581"/>
-            <a:ext cx="4196016" cy="276995"/>
+            <a:off x="971550" y="4689585"/>
+            <a:ext cx="4691860" cy="461661"/>
           </a:xfrm>
           <a:prstGeom prst="rect">
             <a:avLst/>
@@ -534,7 +540,7 @@
           </a:extLst>
         </p:spPr>
         <p:txBody>
-          <a:bodyPr wrap="none" lIns="45718" tIns="45718" rIns="45718" bIns="45718">
+          <a:bodyPr wrap="square" lIns="45718" tIns="45718" rIns="45718" bIns="45718">
             <a:spAutoFit/>
           </a:bodyPr>
           <a:lstStyle/>
@@ -543,49 +549,266 @@
               <a:defRPr sz="1800"/>
             </a:pPr>
             <a:r>
-              <a:rPr sz="600" dirty="0">
-                <a:latin typeface="Avenir Light"/>
+              <a:rPr lang="de-DE" sz="800" b="0" i="0" u="none" strike="noStrike" dirty="0" err="1">
+                <a:solidFill>
+                  <a:schemeClr val="tx1">
+                    <a:lumMod val="65000"/>
+                    <a:lumOff val="35000"/>
+                  </a:schemeClr>
+                </a:solidFill>
+                <a:effectLst/>
+                <a:latin typeface="Avenir Book" panose="02000503020000020003" pitchFamily="2" charset="0"/>
+              </a:rPr>
+              <a:t>music</a:t>
+            </a:r>
+            <a:r>
+              <a:rPr lang="de-DE" sz="800" b="0" i="0" u="none" strike="noStrike" dirty="0">
+                <a:solidFill>
+                  <a:schemeClr val="tx1">
+                    <a:lumMod val="65000"/>
+                    <a:lumOff val="35000"/>
+                  </a:schemeClr>
+                </a:solidFill>
+                <a:effectLst/>
+                <a:latin typeface="Avenir Book" panose="02000503020000020003" pitchFamily="2" charset="0"/>
+              </a:rPr>
+              <a:t> </a:t>
+            </a:r>
+            <a:r>
+              <a:rPr lang="de-DE" sz="800" b="0" i="0" u="none" strike="noStrike" dirty="0" err="1">
+                <a:solidFill>
+                  <a:schemeClr val="tx1">
+                    <a:lumMod val="65000"/>
+                    <a:lumOff val="35000"/>
+                  </a:schemeClr>
+                </a:solidFill>
+                <a:effectLst/>
+                <a:latin typeface="Avenir Book" panose="02000503020000020003" pitchFamily="2" charset="0"/>
+              </a:rPr>
+              <a:t>moves</a:t>
+            </a:r>
+            <a:r>
+              <a:rPr lang="de-DE" sz="800" b="0" i="0" u="none" strike="noStrike" dirty="0">
+                <a:solidFill>
+                  <a:schemeClr val="tx1">
+                    <a:lumMod val="65000"/>
+                    <a:lumOff val="35000"/>
+                  </a:schemeClr>
+                </a:solidFill>
+                <a:effectLst/>
+                <a:latin typeface="Avenir Book" panose="02000503020000020003" pitchFamily="2" charset="0"/>
+              </a:rPr>
+              <a:t>-Trainingskarten von Regina Brandhuber sind lizenziert unter einer Creative Commons </a:t>
+            </a:r>
+          </a:p>
+          <a:p>
+            <a:pPr lvl="0" algn="ctr">
+              <a:defRPr sz="1800"/>
+            </a:pPr>
+            <a:r>
+              <a:rPr lang="de-DE" sz="800" b="0" i="0" u="none" strike="noStrike" dirty="0">
+                <a:solidFill>
+                  <a:schemeClr val="tx1">
+                    <a:lumMod val="65000"/>
+                    <a:lumOff val="35000"/>
+                  </a:schemeClr>
+                </a:solidFill>
+                <a:effectLst/>
+                <a:latin typeface="Avenir Book" panose="02000503020000020003" pitchFamily="2" charset="0"/>
+              </a:rPr>
+              <a:t>Namensnennung-Nicht kommerziell 4.0 International Lizenz.</a:t>
+            </a:r>
+          </a:p>
+          <a:p>
+            <a:pPr lvl="0" algn="ctr">
+              <a:defRPr sz="1800"/>
+            </a:pPr>
+            <a:r>
+              <a:rPr lang="de-DE" sz="800" dirty="0">
+                <a:solidFill>
+                  <a:schemeClr val="tx1">
+                    <a:lumMod val="65000"/>
+                    <a:lumOff val="35000"/>
+                  </a:schemeClr>
+                </a:solidFill>
+                <a:latin typeface="Avenir Book" panose="02000503020000020003" pitchFamily="2" charset="0"/>
                 <a:ea typeface="Calibri"/>
                 <a:cs typeface="Avenir Light"/>
                 <a:sym typeface="Calibri"/>
               </a:rPr>
-              <a:t>This work is licensed under the Creative Commons Attribution-NonCommercial-NoDerivatives 4.0 International License. </a:t>
-            </a:r>
-          </a:p>
-          <a:p>
-            <a:pPr lvl="0" algn="ctr">
-              <a:defRPr sz="1800"/>
-            </a:pPr>
-            <a:r>
-              <a:rPr sz="600" dirty="0">
-                <a:latin typeface="Avenir Light"/>
+              <a:t>Nachzulesen unter:</a:t>
+            </a:r>
+            <a:r>
+              <a:rPr sz="800" dirty="0">
+                <a:solidFill>
+                  <a:schemeClr val="tx1">
+                    <a:lumMod val="65000"/>
+                    <a:lumOff val="35000"/>
+                  </a:schemeClr>
+                </a:solidFill>
+                <a:latin typeface="Avenir Book" panose="02000503020000020003" pitchFamily="2" charset="0"/>
                 <a:ea typeface="Calibri"/>
                 <a:cs typeface="Avenir Light"/>
                 <a:sym typeface="Calibri"/>
               </a:rPr>
-              <a:t>To view a copy of this license, visit http://creativecommons.org/licenses/by-nc-nd/4.0/.</a:t>
-            </a:r>
+              <a:t> </a:t>
+            </a:r>
+            <a:r>
+              <a:rPr lang="de-DE" sz="800" dirty="0">
+                <a:solidFill>
+                  <a:schemeClr val="tx1">
+                    <a:lumMod val="65000"/>
+                    <a:lumOff val="35000"/>
+                  </a:schemeClr>
+                </a:solidFill>
+                <a:latin typeface="Avenir Book" panose="02000503020000020003" pitchFamily="2" charset="0"/>
+                <a:ea typeface="Calibri"/>
+                <a:cs typeface="Avenir Light"/>
+                <a:sym typeface="Calibri"/>
+              </a:rPr>
+              <a:t>https://</a:t>
+            </a:r>
+            <a:r>
+              <a:rPr lang="de-DE" sz="800" dirty="0" err="1">
+                <a:solidFill>
+                  <a:schemeClr val="tx1">
+                    <a:lumMod val="65000"/>
+                    <a:lumOff val="35000"/>
+                  </a:schemeClr>
+                </a:solidFill>
+                <a:latin typeface="Avenir Book" panose="02000503020000020003" pitchFamily="2" charset="0"/>
+                <a:ea typeface="Calibri"/>
+                <a:cs typeface="Avenir Light"/>
+                <a:sym typeface="Calibri"/>
+              </a:rPr>
+              <a:t>creativecommons.org</a:t>
+            </a:r>
+            <a:r>
+              <a:rPr lang="de-DE" sz="800" dirty="0">
+                <a:solidFill>
+                  <a:schemeClr val="tx1">
+                    <a:lumMod val="65000"/>
+                    <a:lumOff val="35000"/>
+                  </a:schemeClr>
+                </a:solidFill>
+                <a:latin typeface="Avenir Book" panose="02000503020000020003" pitchFamily="2" charset="0"/>
+                <a:ea typeface="Calibri"/>
+                <a:cs typeface="Avenir Light"/>
+                <a:sym typeface="Calibri"/>
+              </a:rPr>
+              <a:t>/</a:t>
+            </a:r>
+            <a:r>
+              <a:rPr lang="de-DE" sz="800" dirty="0" err="1">
+                <a:solidFill>
+                  <a:schemeClr val="tx1">
+                    <a:lumMod val="65000"/>
+                    <a:lumOff val="35000"/>
+                  </a:schemeClr>
+                </a:solidFill>
+                <a:latin typeface="Avenir Book" panose="02000503020000020003" pitchFamily="2" charset="0"/>
+                <a:ea typeface="Calibri"/>
+                <a:cs typeface="Avenir Light"/>
+                <a:sym typeface="Calibri"/>
+              </a:rPr>
+              <a:t>licenses</a:t>
+            </a:r>
+            <a:r>
+              <a:rPr lang="de-DE" sz="800" dirty="0">
+                <a:solidFill>
+                  <a:schemeClr val="tx1">
+                    <a:lumMod val="65000"/>
+                    <a:lumOff val="35000"/>
+                  </a:schemeClr>
+                </a:solidFill>
+                <a:latin typeface="Avenir Book" panose="02000503020000020003" pitchFamily="2" charset="0"/>
+                <a:ea typeface="Calibri"/>
+                <a:cs typeface="Avenir Light"/>
+                <a:sym typeface="Calibri"/>
+              </a:rPr>
+              <a:t>/</a:t>
+            </a:r>
+            <a:r>
+              <a:rPr lang="de-DE" sz="800" dirty="0" err="1">
+                <a:solidFill>
+                  <a:schemeClr val="tx1">
+                    <a:lumMod val="65000"/>
+                    <a:lumOff val="35000"/>
+                  </a:schemeClr>
+                </a:solidFill>
+                <a:latin typeface="Avenir Book" panose="02000503020000020003" pitchFamily="2" charset="0"/>
+                <a:ea typeface="Calibri"/>
+                <a:cs typeface="Avenir Light"/>
+                <a:sym typeface="Calibri"/>
+              </a:rPr>
+              <a:t>by-nc</a:t>
+            </a:r>
+            <a:r>
+              <a:rPr lang="de-DE" sz="800" dirty="0">
+                <a:solidFill>
+                  <a:schemeClr val="tx1">
+                    <a:lumMod val="65000"/>
+                    <a:lumOff val="35000"/>
+                  </a:schemeClr>
+                </a:solidFill>
+                <a:latin typeface="Avenir Book" panose="02000503020000020003" pitchFamily="2" charset="0"/>
+                <a:ea typeface="Calibri"/>
+                <a:cs typeface="Avenir Light"/>
+                <a:sym typeface="Calibri"/>
+              </a:rPr>
+              <a:t>/4.0/</a:t>
+            </a:r>
+            <a:r>
+              <a:rPr lang="de-DE" sz="800" dirty="0" err="1">
+                <a:solidFill>
+                  <a:schemeClr val="tx1">
+                    <a:lumMod val="65000"/>
+                    <a:lumOff val="35000"/>
+                  </a:schemeClr>
+                </a:solidFill>
+                <a:latin typeface="Avenir Book" panose="02000503020000020003" pitchFamily="2" charset="0"/>
+                <a:ea typeface="Calibri"/>
+                <a:cs typeface="Avenir Light"/>
+                <a:sym typeface="Calibri"/>
+              </a:rPr>
+              <a:t>deed.de</a:t>
+            </a:r>
+            <a:endParaRPr sz="800" dirty="0">
+              <a:solidFill>
+                <a:schemeClr val="tx1">
+                  <a:lumMod val="65000"/>
+                  <a:lumOff val="35000"/>
+                </a:schemeClr>
+              </a:solidFill>
+              <a:latin typeface="Avenir Book" panose="02000503020000020003" pitchFamily="2" charset="0"/>
+              <a:ea typeface="Calibri"/>
+              <a:cs typeface="Avenir Light"/>
+              <a:sym typeface="Calibri"/>
+            </a:endParaRPr>
           </a:p>
         </p:txBody>
       </p:sp>
       <p:pic>
         <p:nvPicPr>
-          <p:cNvPr id="6" name="pasted-image.tif"/>
+          <p:cNvPr id="8" name="pasted-image.tif">
+            <a:extLst>
+              <a:ext uri="{FF2B5EF4-FFF2-40B4-BE49-F238E27FC236}">
+                <a16:creationId xmlns:a16="http://schemas.microsoft.com/office/drawing/2014/main" id="{61DA01E9-A1B0-8D66-E3CC-C0D611DBEE58}"/>
+              </a:ext>
+            </a:extLst>
+          </p:cNvPr>
           <p:cNvPicPr/>
           <p:nvPr userDrawn="1"/>
         </p:nvPicPr>
-        <p:blipFill>
-          <a:blip r:embed="rId4">
-            <a:extLst/>
-          </a:blip>
-          <a:stretch>
-            <a:fillRect/>
-          </a:stretch>
+        <p:blipFill rotWithShape="1">
+          <a:blip r:embed="rId4"/>
+          <a:srcRect r="24777" b="-3233"/>
+          <a:stretch/>
         </p:blipFill>
         <p:spPr>
           <a:xfrm>
-            <a:off x="6174185" y="4992838"/>
-            <a:ext cx="886619" cy="214128"/>
+            <a:off x="5724347" y="4733926"/>
+            <a:ext cx="1009828" cy="333374"/>
           </a:xfrm>
           <a:prstGeom prst="rect">
             <a:avLst/>
@@ -595,58 +818,6 @@
           </a:ln>
         </p:spPr>
       </p:pic>
-      <p:sp>
-        <p:nvSpPr>
-          <p:cNvPr id="7" name="Textfeld 6"/>
-          <p:cNvSpPr txBox="1"/>
-          <p:nvPr userDrawn="1"/>
-        </p:nvSpPr>
-        <p:spPr>
-          <a:xfrm>
-            <a:off x="239285" y="4936890"/>
-            <a:ext cx="1044856" cy="276999"/>
-          </a:xfrm>
-          <a:prstGeom prst="rect">
-            <a:avLst/>
-          </a:prstGeom>
-          <a:noFill/>
-        </p:spPr>
-        <p:txBody>
-          <a:bodyPr wrap="square" rtlCol="0">
-            <a:spAutoFit/>
-          </a:bodyPr>
-          <a:lstStyle/>
-          <a:p>
-            <a:r>
-              <a:rPr lang="de-DE" sz="600" dirty="0">
-                <a:solidFill>
-                  <a:srgbClr val="5D5E5F"/>
-                </a:solidFill>
-                <a:latin typeface="Avenir Light"/>
-                <a:cs typeface="Avenir Light"/>
-              </a:rPr>
-              <a:t>Letzte Änderung: </a:t>
-            </a:r>
-            <a:fld id="{7A8C7DAC-E536-564C-B5B3-90E8FAB50562}" type="datetime1">
-              <a:rPr lang="de-DE" sz="600" smtClean="0">
-                <a:solidFill>
-                  <a:srgbClr val="5D5E5F"/>
-                </a:solidFill>
-                <a:latin typeface="Avenir Light"/>
-                <a:cs typeface="Avenir Light"/>
-              </a:rPr>
-              <a:t>27.11.18</a:t>
-            </a:fld>
-            <a:endParaRPr lang="de-DE" sz="600" dirty="0">
-              <a:solidFill>
-                <a:srgbClr val="5D5E5F"/>
-              </a:solidFill>
-              <a:latin typeface="Avenir Light"/>
-              <a:cs typeface="Avenir Light"/>
-            </a:endParaRPr>
-          </a:p>
-        </p:txBody>
-      </p:sp>
     </p:spTree>
     <p:extLst>
       <p:ext uri="{BB962C8B-B14F-4D97-AF65-F5344CB8AC3E}">
@@ -716,7 +887,7 @@
           <a:p>
             <a:fld id="{FF5B2BAF-DF38-0A48-A798-0C06E514FD52}" type="datetimeFigureOut">
               <a:rPr lang="de-DE" smtClean="0"/>
-              <a:t>27.11.18</a:t>
+              <a:t>29.07.23</a:t>
             </a:fld>
             <a:endParaRPr lang="de-DE" dirty="0"/>
           </a:p>
@@ -936,7 +1107,7 @@
           <a:p>
             <a:fld id="{FF5B2BAF-DF38-0A48-A798-0C06E514FD52}" type="datetimeFigureOut">
               <a:rPr lang="de-DE" smtClean="0"/>
-              <a:t>27.11.18</a:t>
+              <a:t>29.07.23</a:t>
             </a:fld>
             <a:endParaRPr lang="de-DE" dirty="0"/>
           </a:p>
@@ -1631,8 +1802,13 @@
           <a:p>
             <a:r>
               <a:rPr lang="de-DE" sz="1200" dirty="0"/>
-              <a:t>Das kann daher kommen, dass Du die Herausforderungen in dem Stück von Grund auf verinnerlicht hast und andere Stellen, die ähnlich gelagert sind, nicht neu üben musst.</a:t>
-            </a:r>
+              <a:t>Das kann daher kommen, dass Du die Herausforderungen in dem Stück von Grund auf verinnerlicht hast und andere Stellen, die ähnlich gelagert sind, nicht neu üben musst. Oder Du bist bei der Schwierigkeitsstufe angekommen, bei der Du die restlichen Phrasen vom </a:t>
+            </a:r>
+            <a:r>
+              <a:rPr lang="de-DE" sz="1200"/>
+              <a:t>Blatt spielst.</a:t>
+            </a:r>
+            <a:endParaRPr lang="de-DE" sz="1200" dirty="0"/>
           </a:p>
         </p:txBody>
       </p:sp>

--- a/training-cards/music moves/Iterative (ITE)/ger_ITE_03_Die_magische_Linie_MM_A.pptx
+++ b/training-cards/music moves/Iterative (ITE)/ger_ITE_03_Die_magische_Linie_MM_A.pptx
@@ -535,7 +535,7 @@
           </a:ln>
           <a:extLst>
             <a:ext uri="{C572A759-6A51-4108-AA02-DFA0A04FC94B}">
-              <ma14:wrappingTextBoxFlag xmlns:ma14="http://schemas.microsoft.com/office/mac/drawingml/2011/main" xmlns="" val="1"/>
+              <ma14:wrappingTextBoxFlag xmlns="" xmlns:ma14="http://schemas.microsoft.com/office/mac/drawingml/2011/main" val="1"/>
             </a:ext>
           </a:extLst>
         </p:spPr>
@@ -887,7 +887,7 @@
           <a:p>
             <a:fld id="{FF5B2BAF-DF38-0A48-A798-0C06E514FD52}" type="datetimeFigureOut">
               <a:rPr lang="de-DE" smtClean="0"/>
-              <a:t>29.07.23</a:t>
+              <a:t>02.08.24</a:t>
             </a:fld>
             <a:endParaRPr lang="de-DE" dirty="0"/>
           </a:p>
@@ -1107,7 +1107,7 @@
           <a:p>
             <a:fld id="{FF5B2BAF-DF38-0A48-A798-0C06E514FD52}" type="datetimeFigureOut">
               <a:rPr lang="de-DE" smtClean="0"/>
-              <a:t>29.07.23</a:t>
+              <a:t>02.08.24</a:t>
             </a:fld>
             <a:endParaRPr lang="de-DE" dirty="0"/>
           </a:p>
@@ -1782,33 +1782,32 @@
           </a:bodyPr>
           <a:lstStyle/>
           <a:p>
+            <a:pPr algn="just"/>
             <a:r>
               <a:rPr lang="de-DE" sz="1200" dirty="0"/>
               <a:t>Wenn Du mit den Schwierigkeitsstufen des Phrasendiagramms arbeitest, wirst Du vielleicht bemerkt haben, dass Du einige schwierige Stellen üben musst und ab einer bestimmten Grenze das gesamte Stück beherrschst, obwohl Du Dich nur auf die schwierigsten Stellen konzentriert hast.</a:t>
             </a:r>
           </a:p>
           <a:p>
+            <a:pPr algn="just"/>
             <a:r>
               <a:rPr lang="de-DE" sz="1200" dirty="0"/>
-              <a:t>Diese Grenze hat den Namen "magische Linie" bekommen. Du kannst sie in Deinem Phrasendiagramm finden. Sie lässt sich von dir subjektiv wahrnehmen und sitzt zwischen zwei Schwierigkeitsstufen. </a:t>
-            </a:r>
-          </a:p>
-          <a:p>
+              <a:t>Diese Grenze hat den Namen „magische Linie“ bekommen. Du kannst sie in Deinem Phrasendiagramm finden. Sie lässt sich von dir subjektiv wahrnehmen und sitzt zwischen zwei Schwierigkeitsstufen. </a:t>
+            </a:r>
+          </a:p>
+          <a:p>
+            <a:pPr algn="just"/>
             <a:r>
               <a:rPr lang="de-DE" sz="1200" dirty="0"/>
-              <a:t>Die magische Linie ist in jedem Stück an einer anderen Stelle zu finden. Wenn Du z.B. alle Phrasen mit einschließlich Schwierigkeitsstufe 4 geübt hast, bemerkst du plötzlich, dass alle Phrasen ab Stufe 3 plötzlich von selbst funktionieren und keine besondere Aufmerksamkeit mehr von dir benötigen.</a:t>
-            </a:r>
-          </a:p>
-          <a:p>
+              <a:t>Die magische Linie ist in jedem Stück an einer anderen Stelle zu finden. Wenn Du z.B. alle Phrasen mit einschließlich Schwierigkeitsstufe 4 geübt hast, bemerkst du plötzlich, dass alle Phrasen ab Stufe 3 wie von selbst funktionieren und keine besondere Aufmerksamkeit mehr von dir benötigen.</a:t>
+            </a:r>
+          </a:p>
+          <a:p>
+            <a:pPr algn="just"/>
             <a:r>
               <a:rPr lang="de-DE" sz="1200" dirty="0"/>
-              <a:t>Das kann daher kommen, dass Du die Herausforderungen in dem Stück von Grund auf verinnerlicht hast und andere Stellen, die ähnlich gelagert sind, nicht neu üben musst. Oder Du bist bei der Schwierigkeitsstufe angekommen, bei der Du die restlichen Phrasen vom </a:t>
-            </a:r>
-            <a:r>
-              <a:rPr lang="de-DE" sz="1200"/>
-              <a:t>Blatt spielst.</a:t>
-            </a:r>
-            <a:endParaRPr lang="de-DE" sz="1200" dirty="0"/>
+              <a:t>Das kann daher kommen, dass Du die Herausforderungen in dem Stück von Grund auf verinnerlicht hast und andere Stellen, die ähnlich gelagert sind, nicht neu üben musst. Oder Du bist bei der Schwierigkeitsstufe angekommen, bei der Du die restlichen Phrasen vom Blatt spielst.</a:t>
+            </a:r>
           </a:p>
         </p:txBody>
       </p:sp>
@@ -1879,35 +1878,42 @@
         </p:nvSpPr>
         <p:spPr/>
         <p:txBody>
-          <a:bodyPr/>
+          <a:bodyPr>
+            <a:normAutofit/>
+          </a:bodyPr>
           <a:lstStyle/>
           <a:p>
-            <a:r>
-              <a:rPr lang="de-DE" dirty="0"/>
+            <a:pPr algn="just"/>
+            <a:r>
+              <a:rPr lang="de-DE" sz="1200" dirty="0"/>
               <a:t>Übe in 2 Wochen ein Stück mit Deinem Phrasendiagramm. </a:t>
             </a:r>
           </a:p>
           <a:p>
-            <a:r>
-              <a:rPr lang="de-DE" dirty="0"/>
+            <a:pPr algn="just"/>
+            <a:r>
+              <a:rPr lang="de-DE" sz="1200" dirty="0"/>
               <a:t>Übe die schwierigsten Stellen zuerst und so lange, bis Du sie beherrschst. </a:t>
             </a:r>
           </a:p>
           <a:p>
-            <a:r>
-              <a:rPr lang="de-DE" dirty="0"/>
+            <a:pPr algn="just"/>
+            <a:r>
+              <a:rPr lang="de-DE" sz="1200" dirty="0"/>
               <a:t>Übe keine leichten Stellen.</a:t>
             </a:r>
           </a:p>
           <a:p>
-            <a:r>
-              <a:rPr lang="de-DE" dirty="0"/>
+            <a:pPr algn="just"/>
+            <a:r>
+              <a:rPr lang="de-DE" sz="1200" dirty="0"/>
               <a:t>Finde heraus, ab welcher Schwierigkeitsstufe, Du nicht mehr üben musst, um es zu können, und zeichne dort eine Linie in Dein Phrasendiagramm. </a:t>
             </a:r>
           </a:p>
           <a:p>
-            <a:r>
-              <a:rPr lang="de-DE" dirty="0"/>
+            <a:pPr algn="just"/>
+            <a:r>
+              <a:rPr lang="de-DE" sz="1200" dirty="0"/>
               <a:t>Zeige Deinem Team Dein Phrasendiagramm mit Linie und tauscht euch über die Erfahrungen aus.</a:t>
             </a:r>
           </a:p>
